--- a/Illia Khamza CV 2024.pptx
+++ b/Illia Khamza CV 2024.pptx
@@ -4259,7 +4259,7 @@
                 <a:latin typeface="Arial" panose="020B0604020202020204" pitchFamily="34" charset="0"/>
                 <a:cs typeface="Arial" panose="020B0604020202020204" pitchFamily="34" charset="0"/>
               </a:rPr>
-              <a:t>Worked in a technology team of engineers, data scientists, and design/product following a Kanban methodology. My responsibilities included creating and enhancing AWS cloud hosted web applications, API's, and event driven infrastructure, processing millions of social media posts per day.</a:t>
+              <a:t>Worked in a technology team of engineers, data scientists, and design/product following a Kanban methodology. My responsibilities included creating and enhancing AWS cloud-hosted web applications, APIs, and event-driven infrastructure, processing millions of social media posts per day.</a:t>
             </a:r>
           </a:p>
           <a:p>
@@ -4508,7 +4508,7 @@
         <p:spPr>
           <a:xfrm>
             <a:off x="478765" y="7406129"/>
-            <a:ext cx="6060058" cy="1615827"/>
+            <a:ext cx="6060058" cy="1446550"/>
           </a:xfrm>
           <a:prstGeom prst="rect">
             <a:avLst/>
@@ -4534,29 +4534,7 @@
                 <a:latin typeface="Arial" panose="020B0604020202020204" pitchFamily="34" charset="0"/>
                 <a:cs typeface="Arial" panose="020B0604020202020204" pitchFamily="34" charset="0"/>
               </a:rPr>
-              <a:t>EPAM Systems is a large international </a:t>
-            </a:r>
-            <a:r>
-              <a:rPr lang="en-GB" sz="1100" i="0" dirty="0">
-                <a:solidFill>
-                  <a:srgbClr val="000000"/>
-                </a:solidFill>
-                <a:effectLst/>
-                <a:latin typeface="Arial" panose="020B0604020202020204" pitchFamily="34" charset="0"/>
-                <a:cs typeface="Arial" panose="020B0604020202020204" pitchFamily="34" charset="0"/>
-              </a:rPr>
-              <a:t>software development company</a:t>
-            </a:r>
-            <a:r>
-              <a:rPr lang="en-GB" sz="1100" b="0" i="0" dirty="0">
-                <a:solidFill>
-                  <a:srgbClr val="000000"/>
-                </a:solidFill>
-                <a:effectLst/>
-                <a:latin typeface="Arial" panose="020B0604020202020204" pitchFamily="34" charset="0"/>
-                <a:cs typeface="Arial" panose="020B0604020202020204" pitchFamily="34" charset="0"/>
-              </a:rPr>
-              <a:t>. I was assigned to a valuable fintech account, effectively working as a member of the account's team.</a:t>
+              <a:t>EPAM Systems is a large international software development company. I was assigned to a valuable fintech account, effectively working as an account team member.</a:t>
             </a:r>
           </a:p>
           <a:p>
@@ -4582,7 +4560,7 @@
               <a:buChar char="•"/>
             </a:pPr>
             <a:r>
-              <a:rPr lang="en-GB" sz="1100" i="0" dirty="0">
+              <a:rPr lang="en-GB" sz="1100" b="0" i="0" dirty="0">
                 <a:solidFill>
                   <a:srgbClr val="000000"/>
                 </a:solidFill>
@@ -4590,8 +4568,16 @@
                 <a:latin typeface="Arial" panose="020B0604020202020204" pitchFamily="34" charset="0"/>
                 <a:cs typeface="Arial" panose="020B0604020202020204" pitchFamily="34" charset="0"/>
               </a:rPr>
-              <a:t>My responsibilities included ensuring the steady operation of the system, developing new features, bug fixing, mentoring newer members of the team, and participating in level 3 technical support duties. Additionally, I supported system admins in complex financial operations.</a:t>
-            </a:r>
+              <a:t>My responsibilities included ensuring the steady operation of the system, developing new features, bug fixing, mentoring newer team members, and participating in level 3 technical support duties. Additionally, I supported system admins in complex financial operations.</a:t>
+            </a:r>
+            <a:endParaRPr lang="en-GB" sz="1100" i="0" dirty="0">
+              <a:solidFill>
+                <a:srgbClr val="000000"/>
+              </a:solidFill>
+              <a:effectLst/>
+              <a:latin typeface="Arial" panose="020B0604020202020204" pitchFamily="34" charset="0"/>
+              <a:cs typeface="Arial" panose="020B0604020202020204" pitchFamily="34" charset="0"/>
+            </a:endParaRPr>
           </a:p>
         </p:txBody>
       </p:sp>
@@ -5310,7 +5296,7 @@
         <p:spPr>
           <a:xfrm>
             <a:off x="478765" y="1333267"/>
-            <a:ext cx="6060058" cy="1785104"/>
+            <a:ext cx="6060058" cy="1615827"/>
           </a:xfrm>
           <a:prstGeom prst="rect">
             <a:avLst/>
@@ -5336,7 +5322,7 @@
                 <a:latin typeface="Arial" panose="020B0604020202020204" pitchFamily="34" charset="0"/>
                 <a:cs typeface="Arial" panose="020B0604020202020204" pitchFamily="34" charset="0"/>
               </a:rPr>
-              <a:t>Nix Solutions is one of the largest Ukrainian software development companies with more than 2000 employees. I worked on a major account specializing in Robotic Process Automation.</a:t>
+              <a:t>Nix Solutions is one of the largest Ukrainian software development companies with over 2000 employees. I worked on a major account specializing in Robotic Process Automation.</a:t>
             </a:r>
           </a:p>
           <a:p>
@@ -5353,7 +5339,7 @@
                 <a:latin typeface="Arial" panose="020B0604020202020204" pitchFamily="34" charset="0"/>
                 <a:cs typeface="Arial" panose="020B0604020202020204" pitchFamily="34" charset="0"/>
               </a:rPr>
-              <a:t>Worked in a diverse team that included ML engineers, dedicated front-end developers, QA specialists, DevOps specialists, a SCRUM master and a product owner. We worked under the </a:t>
+              <a:t>Worked in a diverse team that included ML engineers, dedicated front-end developers, QA specialists, DevOps specialists, a SCRUM master, and a product owner. We worked under the </a:t>
             </a:r>
             <a:r>
               <a:rPr lang="en-GB" sz="1100" i="0" dirty="0">
@@ -5438,7 +5424,7 @@
                 <a:latin typeface="Arial" panose="020B0604020202020204" pitchFamily="34" charset="0"/>
                 <a:cs typeface="Arial" panose="020B0604020202020204" pitchFamily="34" charset="0"/>
               </a:rPr>
-              <a:t>My responsibilities included developing new features with .NET Core, .NET Framework and react, bug fixing, and doing R&amp;D.</a:t>
+              <a:t>My responsibilities included developing new features with .NET Core, .NET Framework, and React, bug fixing, and doing R&amp;D.</a:t>
             </a:r>
             <a:endParaRPr lang="en-GB" sz="1100" b="0" i="0" dirty="0">
               <a:solidFill>

--- a/Illia Khamza CV 2024.pptx
+++ b/Illia Khamza CV 2024.pptx
@@ -198,7 +198,7 @@
           <a:p>
             <a:fld id="{AD03431D-70DA-9745-B57C-308000F545A9}" type="datetimeFigureOut">
               <a:rPr lang="en-UA" smtClean="0"/>
-              <a:t>04.06.2024</a:t>
+              <a:t>17.06.2024</a:t>
             </a:fld>
             <a:endParaRPr lang="en-UA"/>
           </a:p>
@@ -765,7 +765,7 @@
           <a:p>
             <a:fld id="{E42A704D-D99B-D843-BA1D-F24185599B9E}" type="datetimeFigureOut">
               <a:rPr lang="en-UA" smtClean="0"/>
-              <a:t>04.06.2024</a:t>
+              <a:t>17.06.2024</a:t>
             </a:fld>
             <a:endParaRPr lang="en-UA"/>
           </a:p>
@@ -935,7 +935,7 @@
           <a:p>
             <a:fld id="{E42A704D-D99B-D843-BA1D-F24185599B9E}" type="datetimeFigureOut">
               <a:rPr lang="en-UA" smtClean="0"/>
-              <a:t>04.06.2024</a:t>
+              <a:t>17.06.2024</a:t>
             </a:fld>
             <a:endParaRPr lang="en-UA"/>
           </a:p>
@@ -1115,7 +1115,7 @@
           <a:p>
             <a:fld id="{E42A704D-D99B-D843-BA1D-F24185599B9E}" type="datetimeFigureOut">
               <a:rPr lang="en-UA" smtClean="0"/>
-              <a:t>04.06.2024</a:t>
+              <a:t>17.06.2024</a:t>
             </a:fld>
             <a:endParaRPr lang="en-UA"/>
           </a:p>
@@ -1285,7 +1285,7 @@
           <a:p>
             <a:fld id="{E42A704D-D99B-D843-BA1D-F24185599B9E}" type="datetimeFigureOut">
               <a:rPr lang="en-UA" smtClean="0"/>
-              <a:t>04.06.2024</a:t>
+              <a:t>17.06.2024</a:t>
             </a:fld>
             <a:endParaRPr lang="en-UA"/>
           </a:p>
@@ -1529,7 +1529,7 @@
           <a:p>
             <a:fld id="{E42A704D-D99B-D843-BA1D-F24185599B9E}" type="datetimeFigureOut">
               <a:rPr lang="en-UA" smtClean="0"/>
-              <a:t>04.06.2024</a:t>
+              <a:t>17.06.2024</a:t>
             </a:fld>
             <a:endParaRPr lang="en-UA"/>
           </a:p>
@@ -1761,7 +1761,7 @@
           <a:p>
             <a:fld id="{E42A704D-D99B-D843-BA1D-F24185599B9E}" type="datetimeFigureOut">
               <a:rPr lang="en-UA" smtClean="0"/>
-              <a:t>04.06.2024</a:t>
+              <a:t>17.06.2024</a:t>
             </a:fld>
             <a:endParaRPr lang="en-UA"/>
           </a:p>
@@ -2128,7 +2128,7 @@
           <a:p>
             <a:fld id="{E42A704D-D99B-D843-BA1D-F24185599B9E}" type="datetimeFigureOut">
               <a:rPr lang="en-UA" smtClean="0"/>
-              <a:t>04.06.2024</a:t>
+              <a:t>17.06.2024</a:t>
             </a:fld>
             <a:endParaRPr lang="en-UA"/>
           </a:p>
@@ -2246,7 +2246,7 @@
           <a:p>
             <a:fld id="{E42A704D-D99B-D843-BA1D-F24185599B9E}" type="datetimeFigureOut">
               <a:rPr lang="en-UA" smtClean="0"/>
-              <a:t>04.06.2024</a:t>
+              <a:t>17.06.2024</a:t>
             </a:fld>
             <a:endParaRPr lang="en-UA"/>
           </a:p>
@@ -2341,7 +2341,7 @@
           <a:p>
             <a:fld id="{E42A704D-D99B-D843-BA1D-F24185599B9E}" type="datetimeFigureOut">
               <a:rPr lang="en-UA" smtClean="0"/>
-              <a:t>04.06.2024</a:t>
+              <a:t>17.06.2024</a:t>
             </a:fld>
             <a:endParaRPr lang="en-UA"/>
           </a:p>
@@ -2618,7 +2618,7 @@
           <a:p>
             <a:fld id="{E42A704D-D99B-D843-BA1D-F24185599B9E}" type="datetimeFigureOut">
               <a:rPr lang="en-UA" smtClean="0"/>
-              <a:t>04.06.2024</a:t>
+              <a:t>17.06.2024</a:t>
             </a:fld>
             <a:endParaRPr lang="en-UA"/>
           </a:p>
@@ -2875,7 +2875,7 @@
           <a:p>
             <a:fld id="{E42A704D-D99B-D843-BA1D-F24185599B9E}" type="datetimeFigureOut">
               <a:rPr lang="en-UA" smtClean="0"/>
-              <a:t>04.06.2024</a:t>
+              <a:t>17.06.2024</a:t>
             </a:fld>
             <a:endParaRPr lang="en-UA"/>
           </a:p>
@@ -3088,7 +3088,7 @@
           <a:p>
             <a:fld id="{E42A704D-D99B-D843-BA1D-F24185599B9E}" type="datetimeFigureOut">
               <a:rPr lang="en-UA" smtClean="0"/>
-              <a:t>04.06.2024</a:t>
+              <a:t>17.06.2024</a:t>
             </a:fld>
             <a:endParaRPr lang="en-UA"/>
           </a:p>
@@ -5501,7 +5501,7 @@
                 <a:latin typeface="Arial" panose="020B0604020202020204" pitchFamily="34" charset="0"/>
                 <a:cs typeface="Arial" panose="020B0604020202020204" pitchFamily="34" charset="0"/>
               </a:rPr>
-              <a:t> GmbH, May 2019-August 2020</a:t>
+              <a:t> GmbH, August 2019-August 2020</a:t>
             </a:r>
             <a:endParaRPr lang="en-UA" sz="1200" dirty="0">
               <a:solidFill>
